--- a/scripts/AYK_prey.pptx
+++ b/scripts/AYK_prey.pptx
@@ -7,7 +7,7 @@
   <p:sldIdLst>
     <p:sldId id="256" r:id="rId2"/>
     <p:sldId id="258" r:id="rId3"/>
-    <p:sldId id="257" r:id="rId4"/>
+    <p:sldId id="259" r:id="rId4"/>
   </p:sldIdLst>
   <p:sldSz cx="12192000" cy="6858000"/>
   <p:notesSz cx="6858000" cy="9144000"/>
@@ -106,6 +106,11 @@
       </a:defRPr>
     </a:lvl9pPr>
   </p:defaultTextStyle>
+  <p:extLst>
+    <p:ext uri="{EFAFB233-063F-42B5-8137-9DF3F51BA10A}">
+      <p15:sldGuideLst xmlns:p15="http://schemas.microsoft.com/office/powerpoint/2012/main"/>
+    </p:ext>
+  </p:extLst>
 </p:presentation>
 </file>
 
@@ -256,7 +261,7 @@
           <a:p>
             <a:fld id="{7A49A582-3701-3846-A07E-FA7B9A5F4D76}" type="datetimeFigureOut">
               <a:rPr lang="en-US" smtClean="0"/>
-              <a:t>5/16/24</a:t>
+              <a:t>6/5/24</a:t>
             </a:fld>
             <a:endParaRPr lang="en-US"/>
           </a:p>
@@ -454,7 +459,7 @@
           <a:p>
             <a:fld id="{7A49A582-3701-3846-A07E-FA7B9A5F4D76}" type="datetimeFigureOut">
               <a:rPr lang="en-US" smtClean="0"/>
-              <a:t>5/16/24</a:t>
+              <a:t>6/5/24</a:t>
             </a:fld>
             <a:endParaRPr lang="en-US"/>
           </a:p>
@@ -662,7 +667,7 @@
           <a:p>
             <a:fld id="{7A49A582-3701-3846-A07E-FA7B9A5F4D76}" type="datetimeFigureOut">
               <a:rPr lang="en-US" smtClean="0"/>
-              <a:t>5/16/24</a:t>
+              <a:t>6/5/24</a:t>
             </a:fld>
             <a:endParaRPr lang="en-US"/>
           </a:p>
@@ -860,7 +865,7 @@
           <a:p>
             <a:fld id="{7A49A582-3701-3846-A07E-FA7B9A5F4D76}" type="datetimeFigureOut">
               <a:rPr lang="en-US" smtClean="0"/>
-              <a:t>5/16/24</a:t>
+              <a:t>6/5/24</a:t>
             </a:fld>
             <a:endParaRPr lang="en-US"/>
           </a:p>
@@ -1135,7 +1140,7 @@
           <a:p>
             <a:fld id="{7A49A582-3701-3846-A07E-FA7B9A5F4D76}" type="datetimeFigureOut">
               <a:rPr lang="en-US" smtClean="0"/>
-              <a:t>5/16/24</a:t>
+              <a:t>6/5/24</a:t>
             </a:fld>
             <a:endParaRPr lang="en-US"/>
           </a:p>
@@ -1400,7 +1405,7 @@
           <a:p>
             <a:fld id="{7A49A582-3701-3846-A07E-FA7B9A5F4D76}" type="datetimeFigureOut">
               <a:rPr lang="en-US" smtClean="0"/>
-              <a:t>5/16/24</a:t>
+              <a:t>6/5/24</a:t>
             </a:fld>
             <a:endParaRPr lang="en-US"/>
           </a:p>
@@ -1812,7 +1817,7 @@
           <a:p>
             <a:fld id="{7A49A582-3701-3846-A07E-FA7B9A5F4D76}" type="datetimeFigureOut">
               <a:rPr lang="en-US" smtClean="0"/>
-              <a:t>5/16/24</a:t>
+              <a:t>6/5/24</a:t>
             </a:fld>
             <a:endParaRPr lang="en-US"/>
           </a:p>
@@ -1953,7 +1958,7 @@
           <a:p>
             <a:fld id="{7A49A582-3701-3846-A07E-FA7B9A5F4D76}" type="datetimeFigureOut">
               <a:rPr lang="en-US" smtClean="0"/>
-              <a:t>5/16/24</a:t>
+              <a:t>6/5/24</a:t>
             </a:fld>
             <a:endParaRPr lang="en-US"/>
           </a:p>
@@ -2066,7 +2071,7 @@
           <a:p>
             <a:fld id="{7A49A582-3701-3846-A07E-FA7B9A5F4D76}" type="datetimeFigureOut">
               <a:rPr lang="en-US" smtClean="0"/>
-              <a:t>5/16/24</a:t>
+              <a:t>6/5/24</a:t>
             </a:fld>
             <a:endParaRPr lang="en-US"/>
           </a:p>
@@ -2377,7 +2382,7 @@
           <a:p>
             <a:fld id="{7A49A582-3701-3846-A07E-FA7B9A5F4D76}" type="datetimeFigureOut">
               <a:rPr lang="en-US" smtClean="0"/>
-              <a:t>5/16/24</a:t>
+              <a:t>6/5/24</a:t>
             </a:fld>
             <a:endParaRPr lang="en-US"/>
           </a:p>
@@ -2665,7 +2670,7 @@
           <a:p>
             <a:fld id="{7A49A582-3701-3846-A07E-FA7B9A5F4D76}" type="datetimeFigureOut">
               <a:rPr lang="en-US" smtClean="0"/>
-              <a:t>5/16/24</a:t>
+              <a:t>6/5/24</a:t>
             </a:fld>
             <a:endParaRPr lang="en-US"/>
           </a:p>
@@ -2906,7 +2911,7 @@
           <a:p>
             <a:fld id="{7A49A582-3701-3846-A07E-FA7B9A5F4D76}" type="datetimeFigureOut">
               <a:rPr lang="en-US" smtClean="0"/>
-              <a:t>5/16/24</a:t>
+              <a:t>6/5/24</a:t>
             </a:fld>
             <a:endParaRPr lang="en-US"/>
           </a:p>
@@ -3477,31 +3482,34 @@
           </a:p>
         </p:txBody>
       </p:sp>
-      <p:sp>
-        <p:nvSpPr>
-          <p:cNvPr id="3" name="Content Placeholder 2">
-            <a:extLst>
-              <a:ext uri="{FF2B5EF4-FFF2-40B4-BE49-F238E27FC236}">
-                <a16:creationId xmlns:a16="http://schemas.microsoft.com/office/drawing/2014/main" id="{90BEAB2B-BEA6-3C2D-1060-C8F0BDBA8202}"/>
-              </a:ext>
-            </a:extLst>
-          </p:cNvPr>
-          <p:cNvSpPr>
-            <a:spLocks noGrp="1"/>
-          </p:cNvSpPr>
+      <p:pic>
+        <p:nvPicPr>
+          <p:cNvPr id="5" name="Content Placeholder 4" descr="A screenshot of a computer&#10;&#10;Description automatically generated">
+            <a:extLst>
+              <a:ext uri="{FF2B5EF4-FFF2-40B4-BE49-F238E27FC236}">
+                <a16:creationId xmlns:a16="http://schemas.microsoft.com/office/drawing/2014/main" id="{299E2AF4-500F-1FBC-8FC6-E0652BFC3517}"/>
+              </a:ext>
+            </a:extLst>
+          </p:cNvPr>
+          <p:cNvPicPr>
+            <a:picLocks noGrp="1" noChangeAspect="1"/>
+          </p:cNvPicPr>
           <p:nvPr>
             <p:ph idx="1"/>
           </p:nvPr>
-        </p:nvSpPr>
-        <p:spPr/>
-        <p:txBody>
-          <a:bodyPr/>
-          <a:lstStyle/>
-          <a:p>
-            <a:endParaRPr lang="en-US"/>
-          </a:p>
-        </p:txBody>
-      </p:sp>
+        </p:nvPicPr>
+        <p:blipFill rotWithShape="1">
+          <a:blip r:embed="rId2"/>
+          <a:srcRect l="34975" t="18222" r="9248" b="17144"/>
+          <a:stretch/>
+        </p:blipFill>
+        <p:spPr>
+          <a:xfrm>
+            <a:off x="1566040" y="-17179"/>
+            <a:ext cx="9028387" cy="6762962"/>
+          </a:xfrm>
+        </p:spPr>
+      </p:pic>
     </p:spTree>
     <p:extLst>
       <p:ext uri="{BB962C8B-B14F-4D97-AF65-F5344CB8AC3E}">
@@ -3537,7 +3545,7 @@
           <p:cNvPr id="2" name="Title 1">
             <a:extLst>
               <a:ext uri="{FF2B5EF4-FFF2-40B4-BE49-F238E27FC236}">
-                <a16:creationId xmlns:a16="http://schemas.microsoft.com/office/drawing/2014/main" id="{898EC190-6744-BEFB-ABDB-44342B43BF00}"/>
+                <a16:creationId xmlns:a16="http://schemas.microsoft.com/office/drawing/2014/main" id="{F9874471-4B92-5E66-7FA0-FB3B2F66C94E}"/>
               </a:ext>
             </a:extLst>
           </p:cNvPr>
@@ -3546,31 +3554,6 @@
           </p:cNvSpPr>
           <p:nvPr>
             <p:ph type="title"/>
-          </p:nvPr>
-        </p:nvSpPr>
-        <p:spPr/>
-        <p:txBody>
-          <a:bodyPr/>
-          <a:lstStyle/>
-          <a:p>
-            <a:endParaRPr lang="en-US"/>
-          </a:p>
-        </p:txBody>
-      </p:sp>
-      <p:sp>
-        <p:nvSpPr>
-          <p:cNvPr id="3" name="Content Placeholder 2">
-            <a:extLst>
-              <a:ext uri="{FF2B5EF4-FFF2-40B4-BE49-F238E27FC236}">
-                <a16:creationId xmlns:a16="http://schemas.microsoft.com/office/drawing/2014/main" id="{E6B3A250-A0C2-B2BA-ABC9-C3538EDD1E56}"/>
-              </a:ext>
-            </a:extLst>
-          </p:cNvPr>
-          <p:cNvSpPr>
-            <a:spLocks noGrp="1"/>
-          </p:cNvSpPr>
-          <p:nvPr>
-            <p:ph idx="1"/>
           </p:nvPr>
         </p:nvSpPr>
         <p:spPr/>
@@ -3584,17 +3567,19 @@
       </p:sp>
       <p:pic>
         <p:nvPicPr>
-          <p:cNvPr id="4" name="Picture 3">
-            <a:extLst>
-              <a:ext uri="{FF2B5EF4-FFF2-40B4-BE49-F238E27FC236}">
-                <a16:creationId xmlns:a16="http://schemas.microsoft.com/office/drawing/2014/main" id="{51CF9EB8-9D34-AC4A-5128-4EA4F69705D0}"/>
+          <p:cNvPr id="5" name="Content Placeholder 4" descr="A screenshot of a computer&#10;&#10;Description automatically generated">
+            <a:extLst>
+              <a:ext uri="{FF2B5EF4-FFF2-40B4-BE49-F238E27FC236}">
+                <a16:creationId xmlns:a16="http://schemas.microsoft.com/office/drawing/2014/main" id="{DE91B8FD-EC02-6C98-E659-C1C235A83BB4}"/>
               </a:ext>
             </a:extLst>
           </p:cNvPr>
           <p:cNvPicPr>
-            <a:picLocks noChangeAspect="1"/>
+            <a:picLocks noGrp="1" noChangeAspect="1"/>
           </p:cNvPicPr>
-          <p:nvPr/>
+          <p:nvPr>
+            <p:ph idx="1"/>
+          </p:nvPr>
         </p:nvPicPr>
         <p:blipFill>
           <a:blip r:embed="rId2"/>
@@ -3604,18 +3589,15 @@
         </p:blipFill>
         <p:spPr>
           <a:xfrm>
-            <a:off x="2060027" y="157142"/>
-            <a:ext cx="7325711" cy="6707307"/>
+            <a:off x="696685" y="30294"/>
+            <a:ext cx="11092544" cy="6797412"/>
           </a:xfrm>
-          <a:prstGeom prst="rect">
-            <a:avLst/>
-          </a:prstGeom>
         </p:spPr>
       </p:pic>
     </p:spTree>
     <p:extLst>
       <p:ext uri="{BB962C8B-B14F-4D97-AF65-F5344CB8AC3E}">
-        <p14:creationId xmlns:p14="http://schemas.microsoft.com/office/powerpoint/2010/main" val="3765213318"/>
+        <p14:creationId xmlns:p14="http://schemas.microsoft.com/office/powerpoint/2010/main" val="1309295879"/>
       </p:ext>
     </p:extLst>
   </p:cSld>
